--- a/doc/ImplementationPresentation.pptx
+++ b/doc/ImplementationPresentation.pptx
@@ -5,11 +5,12 @@
     <p:sldMasterId id="2147483648" r:id="rId1"/>
   </p:sldMasterIdLst>
   <p:notesMasterIdLst>
-    <p:notesMasterId r:id="rId4"/>
+    <p:notesMasterId r:id="rId5"/>
   </p:notesMasterIdLst>
   <p:sldIdLst>
     <p:sldId id="257" r:id="rId2"/>
-    <p:sldId id="258" r:id="rId3"/>
+    <p:sldId id="259" r:id="rId3"/>
+    <p:sldId id="258" r:id="rId4"/>
   </p:sldIdLst>
   <p:sldSz cx="12192000" cy="6858000"/>
   <p:notesSz cx="6858000" cy="9144000"/>
@@ -108,6 +109,11 @@
       </a:defRPr>
     </a:lvl9pPr>
   </p:defaultTextStyle>
+  <p:extLst>
+    <p:ext uri="{EFAFB233-063F-42B5-8137-9DF3F51BA10A}">
+      <p15:sldGuideLst xmlns:p15="http://schemas.microsoft.com/office/powerpoint/2012/main"/>
+    </p:ext>
+  </p:extLst>
 </p:presentation>
 </file>
 
@@ -193,7 +199,7 @@
           <a:p>
             <a:fld id="{5C4EF011-C05D-4ADE-AE6C-739B207B7BD0}" type="datetimeFigureOut">
               <a:rPr lang="it-IT" smtClean="0"/>
-              <a:t>15/04/2020</a:t>
+              <a:t>25/05/2020</a:t>
             </a:fld>
             <a:endParaRPr lang="it-IT"/>
           </a:p>
@@ -794,7 +800,7 @@
           <a:p>
             <a:fld id="{8E22E6AD-A1B4-4CF1-86CC-0A02051B2D12}" type="slidenum">
               <a:rPr lang="it-IT" smtClean="0"/>
-              <a:t>2</a:t>
+              <a:t>3</a:t>
             </a:fld>
             <a:endParaRPr lang="it-IT"/>
           </a:p>
@@ -960,7 +966,7 @@
           <a:p>
             <a:fld id="{28DC1151-3B5F-49A6-8C6A-3ECD738774E4}" type="datetimeFigureOut">
               <a:rPr lang="it-IT" smtClean="0"/>
-              <a:t>15/04/2020</a:t>
+              <a:t>25/05/2020</a:t>
             </a:fld>
             <a:endParaRPr lang="it-IT"/>
           </a:p>
@@ -1158,7 +1164,7 @@
           <a:p>
             <a:fld id="{28DC1151-3B5F-49A6-8C6A-3ECD738774E4}" type="datetimeFigureOut">
               <a:rPr lang="it-IT" smtClean="0"/>
-              <a:t>15/04/2020</a:t>
+              <a:t>25/05/2020</a:t>
             </a:fld>
             <a:endParaRPr lang="it-IT"/>
           </a:p>
@@ -1366,7 +1372,7 @@
           <a:p>
             <a:fld id="{28DC1151-3B5F-49A6-8C6A-3ECD738774E4}" type="datetimeFigureOut">
               <a:rPr lang="it-IT" smtClean="0"/>
-              <a:t>15/04/2020</a:t>
+              <a:t>25/05/2020</a:t>
             </a:fld>
             <a:endParaRPr lang="it-IT"/>
           </a:p>
@@ -1564,7 +1570,7 @@
           <a:p>
             <a:fld id="{28DC1151-3B5F-49A6-8C6A-3ECD738774E4}" type="datetimeFigureOut">
               <a:rPr lang="it-IT" smtClean="0"/>
-              <a:t>15/04/2020</a:t>
+              <a:t>25/05/2020</a:t>
             </a:fld>
             <a:endParaRPr lang="it-IT"/>
           </a:p>
@@ -1839,7 +1845,7 @@
           <a:p>
             <a:fld id="{28DC1151-3B5F-49A6-8C6A-3ECD738774E4}" type="datetimeFigureOut">
               <a:rPr lang="it-IT" smtClean="0"/>
-              <a:t>15/04/2020</a:t>
+              <a:t>25/05/2020</a:t>
             </a:fld>
             <a:endParaRPr lang="it-IT"/>
           </a:p>
@@ -2104,7 +2110,7 @@
           <a:p>
             <a:fld id="{28DC1151-3B5F-49A6-8C6A-3ECD738774E4}" type="datetimeFigureOut">
               <a:rPr lang="it-IT" smtClean="0"/>
-              <a:t>15/04/2020</a:t>
+              <a:t>25/05/2020</a:t>
             </a:fld>
             <a:endParaRPr lang="it-IT"/>
           </a:p>
@@ -2516,7 +2522,7 @@
           <a:p>
             <a:fld id="{28DC1151-3B5F-49A6-8C6A-3ECD738774E4}" type="datetimeFigureOut">
               <a:rPr lang="it-IT" smtClean="0"/>
-              <a:t>15/04/2020</a:t>
+              <a:t>25/05/2020</a:t>
             </a:fld>
             <a:endParaRPr lang="it-IT"/>
           </a:p>
@@ -2657,7 +2663,7 @@
           <a:p>
             <a:fld id="{28DC1151-3B5F-49A6-8C6A-3ECD738774E4}" type="datetimeFigureOut">
               <a:rPr lang="it-IT" smtClean="0"/>
-              <a:t>15/04/2020</a:t>
+              <a:t>25/05/2020</a:t>
             </a:fld>
             <a:endParaRPr lang="it-IT"/>
           </a:p>
@@ -2770,7 +2776,7 @@
           <a:p>
             <a:fld id="{28DC1151-3B5F-49A6-8C6A-3ECD738774E4}" type="datetimeFigureOut">
               <a:rPr lang="it-IT" smtClean="0"/>
-              <a:t>15/04/2020</a:t>
+              <a:t>25/05/2020</a:t>
             </a:fld>
             <a:endParaRPr lang="it-IT"/>
           </a:p>
@@ -3081,7 +3087,7 @@
           <a:p>
             <a:fld id="{28DC1151-3B5F-49A6-8C6A-3ECD738774E4}" type="datetimeFigureOut">
               <a:rPr lang="it-IT" smtClean="0"/>
-              <a:t>15/04/2020</a:t>
+              <a:t>25/05/2020</a:t>
             </a:fld>
             <a:endParaRPr lang="it-IT"/>
           </a:p>
@@ -3369,7 +3375,7 @@
           <a:p>
             <a:fld id="{28DC1151-3B5F-49A6-8C6A-3ECD738774E4}" type="datetimeFigureOut">
               <a:rPr lang="it-IT" smtClean="0"/>
-              <a:t>15/04/2020</a:t>
+              <a:t>25/05/2020</a:t>
             </a:fld>
             <a:endParaRPr lang="it-IT"/>
           </a:p>
@@ -3610,7 +3616,7 @@
           <a:p>
             <a:fld id="{28DC1151-3B5F-49A6-8C6A-3ECD738774E4}" type="datetimeFigureOut">
               <a:rPr lang="it-IT" smtClean="0"/>
-              <a:t>15/04/2020</a:t>
+              <a:t>25/05/2020</a:t>
             </a:fld>
             <a:endParaRPr lang="it-IT"/>
           </a:p>
@@ -4249,6 +4255,311 @@
 </file>
 
 <file path=ppt/slides/slide2.xml><?xml version="1.0" encoding="utf-8"?>
+<p:sld xmlns:a="http://schemas.openxmlformats.org/drawingml/2006/main" xmlns:r="http://schemas.openxmlformats.org/officeDocument/2006/relationships" xmlns:p="http://schemas.openxmlformats.org/presentationml/2006/main">
+  <p:cSld>
+    <p:spTree>
+      <p:nvGrpSpPr>
+        <p:cNvPr id="1" name=""/>
+        <p:cNvGrpSpPr/>
+        <p:nvPr/>
+      </p:nvGrpSpPr>
+      <p:grpSpPr>
+        <a:xfrm>
+          <a:off x="0" y="0"/>
+          <a:ext cx="0" cy="0"/>
+          <a:chOff x="0" y="0"/>
+          <a:chExt cx="0" cy="0"/>
+        </a:xfrm>
+      </p:grpSpPr>
+      <p:sp>
+        <p:nvSpPr>
+          <p:cNvPr id="2" name="Rettangolo 1">
+            <a:extLst>
+              <a:ext uri="{FF2B5EF4-FFF2-40B4-BE49-F238E27FC236}">
+                <a16:creationId xmlns:a16="http://schemas.microsoft.com/office/drawing/2014/main" id="{13B138A9-463C-4036-AE85-0D7B04477D51}"/>
+              </a:ext>
+            </a:extLst>
+          </p:cNvPr>
+          <p:cNvSpPr/>
+          <p:nvPr/>
+        </p:nvSpPr>
+        <p:spPr>
+          <a:xfrm>
+            <a:off x="385011" y="889844"/>
+            <a:ext cx="11438021" cy="3970318"/>
+          </a:xfrm>
+          <a:prstGeom prst="rect">
+            <a:avLst/>
+          </a:prstGeom>
+        </p:spPr>
+        <p:txBody>
+          <a:bodyPr wrap="square">
+            <a:spAutoFit/>
+          </a:bodyPr>
+          <a:lstStyle/>
+          <a:p>
+            <a:pPr marL="342900" lvl="0" indent="-342900">
+              <a:spcAft>
+                <a:spcPts val="0"/>
+              </a:spcAft>
+              <a:buFont typeface="+mj-lt"/>
+              <a:buAutoNum type="arabicPeriod"/>
+            </a:pPr>
+            <a:r>
+              <a:rPr lang="en-GB" i="1" dirty="0">
+                <a:latin typeface="Arial" panose="020B0604020202020204" pitchFamily="34" charset="0"/>
+                <a:ea typeface="Times New Roman" panose="02020603050405020304" pitchFamily="18" charset="0"/>
+                <a:cs typeface="Arial" panose="020B0604020202020204" pitchFamily="34" charset="0"/>
+              </a:rPr>
+              <a:t>The overall structure of your application (e.g. a class diagram to show which React Native components you’ve used and how they fit together to build your app)</a:t>
+            </a:r>
+            <a:endParaRPr lang="en-GB" sz="2000" dirty="0">
+              <a:latin typeface="Arial" panose="020B0604020202020204" pitchFamily="34" charset="0"/>
+              <a:ea typeface="Times New Roman" panose="02020603050405020304" pitchFamily="18" charset="0"/>
+              <a:cs typeface="Times New Roman" panose="02020603050405020304" pitchFamily="18" charset="0"/>
+            </a:endParaRPr>
+          </a:p>
+          <a:p>
+            <a:pPr marL="342900" lvl="0" indent="-342900">
+              <a:spcAft>
+                <a:spcPts val="0"/>
+              </a:spcAft>
+              <a:buFont typeface="+mj-lt"/>
+              <a:buAutoNum type="arabicPeriod"/>
+            </a:pPr>
+            <a:endParaRPr lang="en-GB" i="1" dirty="0">
+              <a:latin typeface="Arial" panose="020B0604020202020204" pitchFamily="34" charset="0"/>
+              <a:ea typeface="Times New Roman" panose="02020603050405020304" pitchFamily="18" charset="0"/>
+              <a:cs typeface="Arial" panose="020B0604020202020204" pitchFamily="34" charset="0"/>
+            </a:endParaRPr>
+          </a:p>
+          <a:p>
+            <a:pPr marL="342900" lvl="0" indent="-342900">
+              <a:spcAft>
+                <a:spcPts val="0"/>
+              </a:spcAft>
+              <a:buFont typeface="+mj-lt"/>
+              <a:buAutoNum type="arabicPeriod"/>
+            </a:pPr>
+            <a:r>
+              <a:rPr lang="en-GB" i="1" dirty="0">
+                <a:latin typeface="Arial" panose="020B0604020202020204" pitchFamily="34" charset="0"/>
+                <a:ea typeface="Times New Roman" panose="02020603050405020304" pitchFamily="18" charset="0"/>
+                <a:cs typeface="Arial" panose="020B0604020202020204" pitchFamily="34" charset="0"/>
+              </a:rPr>
+              <a:t>How you implemented your </a:t>
+            </a:r>
+            <a:r>
+              <a:rPr lang="en-GB" b="1" i="1" dirty="0">
+                <a:latin typeface="Arial" panose="020B0604020202020204" pitchFamily="34" charset="0"/>
+                <a:ea typeface="Times New Roman" panose="02020603050405020304" pitchFamily="18" charset="0"/>
+                <a:cs typeface="Arial" panose="020B0604020202020204" pitchFamily="34" charset="0"/>
+              </a:rPr>
+              <a:t>User Interface. (</a:t>
+            </a:r>
+            <a:r>
+              <a:rPr lang="en-GB" i="1" dirty="0">
+                <a:latin typeface="Arial" panose="020B0604020202020204" pitchFamily="34" charset="0"/>
+                <a:ea typeface="Times New Roman" panose="02020603050405020304" pitchFamily="18" charset="0"/>
+                <a:cs typeface="Arial" panose="020B0604020202020204" pitchFamily="34" charset="0"/>
+              </a:rPr>
+              <a:t>e.g. screenshots or a short video (embedded in presentation) of your running application – and code examples where appropriate) </a:t>
+            </a:r>
+            <a:endParaRPr lang="en-GB" sz="2000" dirty="0">
+              <a:latin typeface="Arial" panose="020B0604020202020204" pitchFamily="34" charset="0"/>
+              <a:ea typeface="Times New Roman" panose="02020603050405020304" pitchFamily="18" charset="0"/>
+              <a:cs typeface="Times New Roman" panose="02020603050405020304" pitchFamily="18" charset="0"/>
+            </a:endParaRPr>
+          </a:p>
+          <a:p>
+            <a:pPr marL="342900" lvl="0" indent="-342900">
+              <a:spcAft>
+                <a:spcPts val="0"/>
+              </a:spcAft>
+              <a:buFont typeface="+mj-lt"/>
+              <a:buAutoNum type="arabicPeriod"/>
+            </a:pPr>
+            <a:endParaRPr lang="en-GB" i="1" dirty="0">
+              <a:latin typeface="Arial" panose="020B0604020202020204" pitchFamily="34" charset="0"/>
+              <a:ea typeface="Times New Roman" panose="02020603050405020304" pitchFamily="18" charset="0"/>
+              <a:cs typeface="Arial" panose="020B0604020202020204" pitchFamily="34" charset="0"/>
+            </a:endParaRPr>
+          </a:p>
+          <a:p>
+            <a:pPr marL="342900" lvl="0" indent="-342900">
+              <a:spcAft>
+                <a:spcPts val="0"/>
+              </a:spcAft>
+              <a:buFont typeface="+mj-lt"/>
+              <a:buAutoNum type="arabicPeriod"/>
+            </a:pPr>
+            <a:r>
+              <a:rPr lang="en-GB" i="1" dirty="0">
+                <a:latin typeface="Arial" panose="020B0604020202020204" pitchFamily="34" charset="0"/>
+                <a:ea typeface="Times New Roman" panose="02020603050405020304" pitchFamily="18" charset="0"/>
+                <a:cs typeface="Arial" panose="020B0604020202020204" pitchFamily="34" charset="0"/>
+              </a:rPr>
+              <a:t>How you </a:t>
+            </a:r>
+            <a:r>
+              <a:rPr lang="en-GB" b="1" i="1" dirty="0">
+                <a:latin typeface="Arial" panose="020B0604020202020204" pitchFamily="34" charset="0"/>
+                <a:ea typeface="Times New Roman" panose="02020603050405020304" pitchFamily="18" charset="0"/>
+                <a:cs typeface="Arial" panose="020B0604020202020204" pitchFamily="34" charset="0"/>
+              </a:rPr>
+              <a:t>persisted data on-device </a:t>
+            </a:r>
+            <a:r>
+              <a:rPr lang="en-GB" i="1" dirty="0">
+                <a:latin typeface="Arial" panose="020B0604020202020204" pitchFamily="34" charset="0"/>
+                <a:ea typeface="Times New Roman" panose="02020603050405020304" pitchFamily="18" charset="0"/>
+                <a:cs typeface="Arial" panose="020B0604020202020204" pitchFamily="34" charset="0"/>
+              </a:rPr>
+              <a:t>(e.g. examples of code to show data writing and reading to local device storage – such as ‘</a:t>
+            </a:r>
+            <a:r>
+              <a:rPr lang="en-GB" i="1" dirty="0" err="1">
+                <a:latin typeface="Arial" panose="020B0604020202020204" pitchFamily="34" charset="0"/>
+                <a:ea typeface="Times New Roman" panose="02020603050405020304" pitchFamily="18" charset="0"/>
+                <a:cs typeface="Arial" panose="020B0604020202020204" pitchFamily="34" charset="0"/>
+              </a:rPr>
+              <a:t>AsyncStorage</a:t>
+            </a:r>
+            <a:r>
+              <a:rPr lang="en-GB" i="1" dirty="0">
+                <a:latin typeface="Arial" panose="020B0604020202020204" pitchFamily="34" charset="0"/>
+                <a:ea typeface="Times New Roman" panose="02020603050405020304" pitchFamily="18" charset="0"/>
+                <a:cs typeface="Arial" panose="020B0604020202020204" pitchFamily="34" charset="0"/>
+              </a:rPr>
+              <a:t>’)</a:t>
+            </a:r>
+            <a:endParaRPr lang="en-GB" sz="2000" dirty="0">
+              <a:latin typeface="Arial" panose="020B0604020202020204" pitchFamily="34" charset="0"/>
+              <a:ea typeface="Times New Roman" panose="02020603050405020304" pitchFamily="18" charset="0"/>
+              <a:cs typeface="Times New Roman" panose="02020603050405020304" pitchFamily="18" charset="0"/>
+            </a:endParaRPr>
+          </a:p>
+          <a:p>
+            <a:pPr marL="342900" lvl="0" indent="-342900">
+              <a:spcAft>
+                <a:spcPts val="0"/>
+              </a:spcAft>
+              <a:buFont typeface="+mj-lt"/>
+              <a:buAutoNum type="arabicPeriod"/>
+            </a:pPr>
+            <a:endParaRPr lang="en-GB" i="1" dirty="0">
+              <a:latin typeface="Arial" panose="020B0604020202020204" pitchFamily="34" charset="0"/>
+              <a:ea typeface="Times New Roman" panose="02020603050405020304" pitchFamily="18" charset="0"/>
+              <a:cs typeface="Arial" panose="020B0604020202020204" pitchFamily="34" charset="0"/>
+            </a:endParaRPr>
+          </a:p>
+          <a:p>
+            <a:pPr marL="342900" lvl="0" indent="-342900">
+              <a:spcAft>
+                <a:spcPts val="0"/>
+              </a:spcAft>
+              <a:buFont typeface="+mj-lt"/>
+              <a:buAutoNum type="arabicPeriod"/>
+            </a:pPr>
+            <a:r>
+              <a:rPr lang="en-GB" i="1" dirty="0">
+                <a:latin typeface="Arial" panose="020B0604020202020204" pitchFamily="34" charset="0"/>
+                <a:ea typeface="Times New Roman" panose="02020603050405020304" pitchFamily="18" charset="0"/>
+                <a:cs typeface="Arial" panose="020B0604020202020204" pitchFamily="34" charset="0"/>
+              </a:rPr>
+              <a:t>How you consumed external </a:t>
+            </a:r>
+            <a:r>
+              <a:rPr lang="en-GB" b="1" i="1" dirty="0">
+                <a:latin typeface="Arial" panose="020B0604020202020204" pitchFamily="34" charset="0"/>
+                <a:ea typeface="Times New Roman" panose="02020603050405020304" pitchFamily="18" charset="0"/>
+                <a:cs typeface="Arial" panose="020B0604020202020204" pitchFamily="34" charset="0"/>
+              </a:rPr>
+              <a:t>web services</a:t>
+            </a:r>
+            <a:r>
+              <a:rPr lang="en-GB" i="1" dirty="0">
+                <a:latin typeface="Arial" panose="020B0604020202020204" pitchFamily="34" charset="0"/>
+                <a:ea typeface="Times New Roman" panose="02020603050405020304" pitchFamily="18" charset="0"/>
+                <a:cs typeface="Arial" panose="020B0604020202020204" pitchFamily="34" charset="0"/>
+              </a:rPr>
+              <a:t> in your app, for cloud based data (e.g. data examples in JSON format, and code examples on how you accessed that data)</a:t>
+            </a:r>
+            <a:endParaRPr lang="en-GB" sz="2000" dirty="0">
+              <a:latin typeface="Arial" panose="020B0604020202020204" pitchFamily="34" charset="0"/>
+              <a:ea typeface="Times New Roman" panose="02020603050405020304" pitchFamily="18" charset="0"/>
+              <a:cs typeface="Times New Roman" panose="02020603050405020304" pitchFamily="18" charset="0"/>
+            </a:endParaRPr>
+          </a:p>
+          <a:p>
+            <a:pPr marL="342900" lvl="0" indent="-342900">
+              <a:spcAft>
+                <a:spcPts val="0"/>
+              </a:spcAft>
+              <a:buFont typeface="+mj-lt"/>
+              <a:buAutoNum type="arabicPeriod"/>
+            </a:pPr>
+            <a:endParaRPr lang="en-GB" i="1" dirty="0">
+              <a:latin typeface="Arial" panose="020B0604020202020204" pitchFamily="34" charset="0"/>
+              <a:ea typeface="Times New Roman" panose="02020603050405020304" pitchFamily="18" charset="0"/>
+              <a:cs typeface="Arial" panose="020B0604020202020204" pitchFamily="34" charset="0"/>
+            </a:endParaRPr>
+          </a:p>
+          <a:p>
+            <a:pPr marL="342900" lvl="0" indent="-342900">
+              <a:spcAft>
+                <a:spcPts val="0"/>
+              </a:spcAft>
+              <a:buFont typeface="+mj-lt"/>
+              <a:buAutoNum type="arabicPeriod"/>
+            </a:pPr>
+            <a:r>
+              <a:rPr lang="en-GB" i="1" dirty="0">
+                <a:latin typeface="Arial" panose="020B0604020202020204" pitchFamily="34" charset="0"/>
+                <a:ea typeface="Times New Roman" panose="02020603050405020304" pitchFamily="18" charset="0"/>
+                <a:cs typeface="Arial" panose="020B0604020202020204" pitchFamily="34" charset="0"/>
+              </a:rPr>
+              <a:t>Which </a:t>
+            </a:r>
+            <a:r>
+              <a:rPr lang="en-GB" b="1" i="1" dirty="0">
+                <a:latin typeface="Arial" panose="020B0604020202020204" pitchFamily="34" charset="0"/>
+                <a:ea typeface="Times New Roman" panose="02020603050405020304" pitchFamily="18" charset="0"/>
+                <a:cs typeface="Arial" panose="020B0604020202020204" pitchFamily="34" charset="0"/>
+              </a:rPr>
+              <a:t>additional framework </a:t>
+            </a:r>
+            <a:r>
+              <a:rPr lang="en-GB" i="1" dirty="0">
+                <a:latin typeface="Arial" panose="020B0604020202020204" pitchFamily="34" charset="0"/>
+                <a:ea typeface="Times New Roman" panose="02020603050405020304" pitchFamily="18" charset="0"/>
+                <a:cs typeface="Arial" panose="020B0604020202020204" pitchFamily="34" charset="0"/>
+              </a:rPr>
+              <a:t>you used in your app, and how (e.g. code examples of how you implemented your additional framework)</a:t>
+            </a:r>
+            <a:endParaRPr lang="en-GB" sz="2000" dirty="0">
+              <a:effectLst/>
+              <a:latin typeface="Arial" panose="020B0604020202020204" pitchFamily="34" charset="0"/>
+              <a:ea typeface="Times New Roman" panose="02020603050405020304" pitchFamily="18" charset="0"/>
+              <a:cs typeface="Times New Roman" panose="02020603050405020304" pitchFamily="18" charset="0"/>
+            </a:endParaRPr>
+          </a:p>
+        </p:txBody>
+      </p:sp>
+    </p:spTree>
+    <p:extLst>
+      <p:ext uri="{BB962C8B-B14F-4D97-AF65-F5344CB8AC3E}">
+        <p14:creationId xmlns:p14="http://schemas.microsoft.com/office/powerpoint/2010/main" val="3794750416"/>
+      </p:ext>
+    </p:extLst>
+  </p:cSld>
+  <p:clrMapOvr>
+    <a:masterClrMapping/>
+  </p:clrMapOvr>
+</p:sld>
+</file>
+
+<file path=ppt/slides/slide3.xml><?xml version="1.0" encoding="utf-8"?>
 <p:sld xmlns:a="http://schemas.openxmlformats.org/drawingml/2006/main" xmlns:r="http://schemas.openxmlformats.org/officeDocument/2006/relationships" xmlns:p="http://schemas.openxmlformats.org/presentationml/2006/main">
   <p:cSld>
     <p:spTree>
